--- a/presentations/review3_cns .pptx
+++ b/presentations/review3_cns .pptx
@@ -8681,7 +8681,7 @@
               </a:lnSpc>
             </a:pPr>
             <a:r>
-              <a:rPr lang="en-US" sz="6600" spc="600"/>
+              <a:rPr lang="en-US" sz="6600" spc="600" dirty="0"/>
               <a:t>Review 3 </a:t>
             </a:r>
             <a:br>
@@ -9294,19 +9294,17 @@
       </p:sp>
       <p:pic>
         <p:nvPicPr>
-          <p:cNvPr id="7" name="Content Placeholder 6">
-            <a:extLst>
-              <a:ext uri="{FF2B5EF4-FFF2-40B4-BE49-F238E27FC236}">
-                <a16:creationId xmlns:a16="http://schemas.microsoft.com/office/drawing/2014/main" id="{AD67D62A-1585-4E59-853E-1ECABA6F36D6}"/>
+          <p:cNvPr id="6" name="Picture 5">
+            <a:extLst>
+              <a:ext uri="{FF2B5EF4-FFF2-40B4-BE49-F238E27FC236}">
+                <a16:creationId xmlns:a16="http://schemas.microsoft.com/office/drawing/2014/main" id="{FB4D5CC1-CE18-43C8-A3AB-1EC0AA6DF4A2}"/>
               </a:ext>
             </a:extLst>
           </p:cNvPr>
           <p:cNvPicPr>
-            <a:picLocks noGrp="1" noChangeAspect="1"/>
+            <a:picLocks noChangeAspect="1"/>
           </p:cNvPicPr>
-          <p:nvPr>
-            <p:ph idx="1"/>
-          </p:nvPr>
+          <p:nvPr/>
         </p:nvPicPr>
         <p:blipFill>
           <a:blip r:embed="rId2"/>
@@ -9316,35 +9314,8 @@
         </p:blipFill>
         <p:spPr>
           <a:xfrm>
-            <a:off x="984667" y="1758950"/>
-            <a:ext cx="3840916" cy="4351338"/>
-          </a:xfrm>
-        </p:spPr>
-      </p:pic>
-      <p:pic>
-        <p:nvPicPr>
-          <p:cNvPr id="9" name="Picture 8">
-            <a:extLst>
-              <a:ext uri="{FF2B5EF4-FFF2-40B4-BE49-F238E27FC236}">
-                <a16:creationId xmlns:a16="http://schemas.microsoft.com/office/drawing/2014/main" id="{EA9B1832-4CB7-442D-93C7-530283826B79}"/>
-              </a:ext>
-            </a:extLst>
-          </p:cNvPr>
-          <p:cNvPicPr>
-            <a:picLocks noChangeAspect="1"/>
-          </p:cNvPicPr>
-          <p:nvPr/>
-        </p:nvPicPr>
-        <p:blipFill>
-          <a:blip r:embed="rId3"/>
-          <a:stretch>
-            <a:fillRect/>
-          </a:stretch>
-        </p:blipFill>
-        <p:spPr>
-          <a:xfrm>
-            <a:off x="5213694" y="2036761"/>
-            <a:ext cx="5308699" cy="3495675"/>
+            <a:off x="838200" y="1957388"/>
+            <a:ext cx="6588567" cy="3534492"/>
           </a:xfrm>
           <a:prstGeom prst="rect">
             <a:avLst/>

--- a/presentations/review3_cns .pptx
+++ b/presentations/review3_cns .pptx
@@ -13,8 +13,9 @@
     <p:sldId id="259" r:id="rId7"/>
     <p:sldId id="265" r:id="rId8"/>
     <p:sldId id="260" r:id="rId9"/>
-    <p:sldId id="261" r:id="rId10"/>
-    <p:sldId id="262" r:id="rId11"/>
+    <p:sldId id="267" r:id="rId10"/>
+    <p:sldId id="261" r:id="rId11"/>
+    <p:sldId id="262" r:id="rId12"/>
   </p:sldIdLst>
   <p:sldSz cx="12192000" cy="6858000"/>
   <p:notesSz cx="6858000" cy="9144000"/>
@@ -8792,6 +8793,89 @@
           <p:cNvPr id="2" name="Title 1">
             <a:extLst>
               <a:ext uri="{FF2B5EF4-FFF2-40B4-BE49-F238E27FC236}">
+                <a16:creationId xmlns:a16="http://schemas.microsoft.com/office/drawing/2014/main" id="{C0935A2B-A6F7-43CF-B0D8-E931474BFCAB}"/>
+              </a:ext>
+            </a:extLst>
+          </p:cNvPr>
+          <p:cNvSpPr>
+            <a:spLocks noGrp="1"/>
+          </p:cNvSpPr>
+          <p:nvPr>
+            <p:ph type="title"/>
+          </p:nvPr>
+        </p:nvSpPr>
+        <p:spPr/>
+        <p:txBody>
+          <a:bodyPr/>
+          <a:lstStyle/>
+          <a:p>
+            <a:r>
+              <a:rPr lang="en-US" b="1" dirty="0"/>
+              <a:t>SUGGESTIONS</a:t>
+            </a:r>
+          </a:p>
+        </p:txBody>
+      </p:sp>
+      <p:sp>
+        <p:nvSpPr>
+          <p:cNvPr id="3" name="Text Placeholder 2">
+            <a:extLst>
+              <a:ext uri="{FF2B5EF4-FFF2-40B4-BE49-F238E27FC236}">
+                <a16:creationId xmlns:a16="http://schemas.microsoft.com/office/drawing/2014/main" id="{3AFCBFA7-7692-4E68-80EE-FC7BA1C52DDC}"/>
+              </a:ext>
+            </a:extLst>
+          </p:cNvPr>
+          <p:cNvSpPr>
+            <a:spLocks noGrp="1"/>
+          </p:cNvSpPr>
+          <p:nvPr>
+            <p:ph type="body" idx="1"/>
+          </p:nvPr>
+        </p:nvSpPr>
+        <p:spPr/>
+        <p:txBody>
+          <a:bodyPr/>
+          <a:lstStyle/>
+          <a:p>
+            <a:endParaRPr lang="en-US"/>
+          </a:p>
+        </p:txBody>
+      </p:sp>
+    </p:spTree>
+    <p:extLst>
+      <p:ext uri="{BB962C8B-B14F-4D97-AF65-F5344CB8AC3E}">
+        <p14:creationId xmlns:p14="http://schemas.microsoft.com/office/powerpoint/2010/main" val="4107646724"/>
+      </p:ext>
+    </p:extLst>
+  </p:cSld>
+  <p:clrMapOvr>
+    <a:masterClrMapping/>
+  </p:clrMapOvr>
+</p:sld>
+</file>
+
+<file path=ppt/slides/slide11.xml><?xml version="1.0" encoding="utf-8"?>
+<p:sld xmlns:a="http://schemas.openxmlformats.org/drawingml/2006/main" xmlns:r="http://schemas.openxmlformats.org/officeDocument/2006/relationships" xmlns:p="http://schemas.openxmlformats.org/presentationml/2006/main">
+  <p:cSld>
+    <p:spTree>
+      <p:nvGrpSpPr>
+        <p:cNvPr id="1" name=""/>
+        <p:cNvGrpSpPr/>
+        <p:nvPr/>
+      </p:nvGrpSpPr>
+      <p:grpSpPr>
+        <a:xfrm>
+          <a:off x="0" y="0"/>
+          <a:ext cx="0" cy="0"/>
+          <a:chOff x="0" y="0"/>
+          <a:chExt cx="0" cy="0"/>
+        </a:xfrm>
+      </p:grpSpPr>
+      <p:sp>
+        <p:nvSpPr>
+          <p:cNvPr id="2" name="Title 1">
+            <a:extLst>
+              <a:ext uri="{FF2B5EF4-FFF2-40B4-BE49-F238E27FC236}">
                 <a16:creationId xmlns:a16="http://schemas.microsoft.com/office/drawing/2014/main" id="{0255F09C-1C7B-4B5E-8B39-A616487E9805}"/>
               </a:ext>
             </a:extLst>
@@ -9883,7 +9967,7 @@
           <p:cNvPr id="2" name="Title 1">
             <a:extLst>
               <a:ext uri="{FF2B5EF4-FFF2-40B4-BE49-F238E27FC236}">
-                <a16:creationId xmlns:a16="http://schemas.microsoft.com/office/drawing/2014/main" id="{C0935A2B-A6F7-43CF-B0D8-E931474BFCAB}"/>
+                <a16:creationId xmlns:a16="http://schemas.microsoft.com/office/drawing/2014/main" id="{50A45C6A-5C92-4E3B-8769-D7CA130AD945}"/>
               </a:ext>
             </a:extLst>
           </p:cNvPr>
@@ -9900,41 +9984,47 @@
           <a:lstStyle/>
           <a:p>
             <a:r>
-              <a:rPr lang="en-US" b="1" dirty="0"/>
-              <a:t>SUGGESTIONS</a:t>
-            </a:r>
+              <a:rPr lang="en-US" b="1"/>
+              <a:t>BETA TESTING</a:t>
+            </a:r>
+            <a:endParaRPr lang="en-US" b="1" dirty="0"/>
           </a:p>
         </p:txBody>
       </p:sp>
-      <p:sp>
-        <p:nvSpPr>
-          <p:cNvPr id="3" name="Text Placeholder 2">
-            <a:extLst>
-              <a:ext uri="{FF2B5EF4-FFF2-40B4-BE49-F238E27FC236}">
-                <a16:creationId xmlns:a16="http://schemas.microsoft.com/office/drawing/2014/main" id="{3AFCBFA7-7692-4E68-80EE-FC7BA1C52DDC}"/>
-              </a:ext>
-            </a:extLst>
-          </p:cNvPr>
-          <p:cNvSpPr>
-            <a:spLocks noGrp="1"/>
-          </p:cNvSpPr>
-          <p:nvPr>
-            <p:ph type="body" idx="1"/>
-          </p:nvPr>
-        </p:nvSpPr>
-        <p:spPr/>
-        <p:txBody>
-          <a:bodyPr/>
-          <a:lstStyle/>
-          <a:p>
-            <a:endParaRPr lang="en-US"/>
-          </a:p>
-        </p:txBody>
-      </p:sp>
+      <p:pic>
+        <p:nvPicPr>
+          <p:cNvPr id="6" name="Picture 5">
+            <a:extLst>
+              <a:ext uri="{FF2B5EF4-FFF2-40B4-BE49-F238E27FC236}">
+                <a16:creationId xmlns:a16="http://schemas.microsoft.com/office/drawing/2014/main" id="{EE618247-FA36-498B-BF81-A8C18101BBBB}"/>
+              </a:ext>
+            </a:extLst>
+          </p:cNvPr>
+          <p:cNvPicPr>
+            <a:picLocks noChangeAspect="1"/>
+          </p:cNvPicPr>
+          <p:nvPr/>
+        </p:nvPicPr>
+        <p:blipFill>
+          <a:blip r:embed="rId2"/>
+          <a:stretch>
+            <a:fillRect/>
+          </a:stretch>
+        </p:blipFill>
+        <p:spPr>
+          <a:xfrm>
+            <a:off x="1192191" y="1903583"/>
+            <a:ext cx="5775767" cy="4254400"/>
+          </a:xfrm>
+          <a:prstGeom prst="rect">
+            <a:avLst/>
+          </a:prstGeom>
+        </p:spPr>
+      </p:pic>
     </p:spTree>
     <p:extLst>
       <p:ext uri="{BB962C8B-B14F-4D97-AF65-F5344CB8AC3E}">
-        <p14:creationId xmlns:p14="http://schemas.microsoft.com/office/powerpoint/2010/main" val="4107646724"/>
+        <p14:creationId xmlns:p14="http://schemas.microsoft.com/office/powerpoint/2010/main" val="4278065060"/>
       </p:ext>
     </p:extLst>
   </p:cSld>
